--- a/アーカイブまとめ/制作者のコメントnew.pptx
+++ b/アーカイブまとめ/制作者のコメントnew.pptx
@@ -2715,13 +2715,13 @@
         <a:lstStyle/>
         <a:p>
           <a:r>
-            <a:rPr kumimoji="1" lang="ja-JP" altLang="en-US" smtClean="0">
+            <a:rPr kumimoji="1" lang="ja-JP" altLang="en-US" dirty="0" smtClean="0">
               <a:latin typeface="UD デジタル 教科書体 N-R" panose="02020400000000000000" pitchFamily="17" charset="-128"/>
               <a:ea typeface="UD デジタル 教科書体 N-R" panose="02020400000000000000" pitchFamily="17" charset="-128"/>
             </a:rPr>
             <a:t>余時澤</a:t>
           </a:r>
-          <a:endParaRPr kumimoji="1" lang="ja-JP" altLang="en-US">
+          <a:endParaRPr kumimoji="1" lang="ja-JP" altLang="en-US" dirty="0">
             <a:latin typeface="UD デジタル 教科書体 N-R" panose="02020400000000000000" pitchFamily="17" charset="-128"/>
             <a:ea typeface="UD デジタル 教科書体 N-R" panose="02020400000000000000" pitchFamily="17" charset="-128"/>
           </a:endParaRPr>
@@ -2758,13 +2758,13 @@
         <a:lstStyle/>
         <a:p>
           <a:r>
-            <a:rPr kumimoji="1" lang="ja-JP" altLang="en-US" smtClean="0">
+            <a:rPr kumimoji="1" lang="ja-JP" altLang="en-US" dirty="0" smtClean="0">
               <a:latin typeface="UD デジタル 教科書体 NP-B" panose="02020700000000000000" pitchFamily="18" charset="-128"/>
               <a:ea typeface="UD デジタル 教科書体 NP-B" panose="02020700000000000000" pitchFamily="18" charset="-128"/>
             </a:rPr>
             <a:t>今回のチーム制作を通じて、多くの経験を学びました。チャレンジが成功しても失敗しても、その結果を持ってもう一度行くぞ。</a:t>
           </a:r>
-          <a:endParaRPr kumimoji="1" lang="ja-JP" altLang="en-US"/>
+          <a:endParaRPr kumimoji="1" lang="ja-JP" altLang="en-US" dirty="0"/>
         </a:p>
       </dgm:t>
     </dgm:pt>
@@ -2835,10 +2835,16 @@
         <a:lstStyle/>
         <a:p>
           <a:r>
-            <a:rPr kumimoji="1" lang="en-US" altLang="ja-JP" smtClean="0"/>
-            <a:t>3</a:t>
+            <a:rPr kumimoji="1" lang="ja-JP" altLang="en-US" dirty="0" smtClean="0">
+              <a:latin typeface="UD デジタル 教科書体 N-B" panose="02020700000000000000" pitchFamily="17" charset="-128"/>
+              <a:ea typeface="UD デジタル 教科書体 N-B" panose="02020700000000000000" pitchFamily="17" charset="-128"/>
+            </a:rPr>
+            <a:t>松田　樹</a:t>
           </a:r>
-          <a:endParaRPr kumimoji="1" lang="ja-JP" altLang="en-US"/>
+          <a:endParaRPr kumimoji="1" lang="ja-JP" altLang="en-US" dirty="0">
+            <a:latin typeface="UD デジタル 教科書体 N-B" panose="02020700000000000000" pitchFamily="17" charset="-128"/>
+            <a:ea typeface="UD デジタル 教科書体 N-B" panose="02020700000000000000" pitchFamily="17" charset="-128"/>
+          </a:endParaRPr>
         </a:p>
       </dgm:t>
     </dgm:pt>
@@ -2872,10 +2878,10 @@
         <a:lstStyle/>
         <a:p>
           <a:r>
-            <a:rPr kumimoji="1" lang="en-US" altLang="ja-JP" smtClean="0"/>
+            <a:rPr kumimoji="1" lang="en-US" altLang="ja-JP" dirty="0" smtClean="0"/>
             <a:t>4</a:t>
           </a:r>
-          <a:endParaRPr kumimoji="1" lang="ja-JP" altLang="en-US"/>
+          <a:endParaRPr kumimoji="1" lang="ja-JP" altLang="en-US" dirty="0"/>
         </a:p>
       </dgm:t>
     </dgm:pt>
@@ -2946,10 +2952,16 @@
         <a:lstStyle/>
         <a:p>
           <a:r>
-            <a:rPr kumimoji="1" lang="en-US" altLang="ja-JP" smtClean="0"/>
-            <a:t>Ccccccc</a:t>
+            <a:rPr kumimoji="1" lang="ja-JP" altLang="en-US" dirty="0" smtClean="0">
+              <a:latin typeface="UD デジタル 教科書体 N-B" panose="02020700000000000000" pitchFamily="17" charset="-128"/>
+              <a:ea typeface="UD デジタル 教科書体 N-B" panose="02020700000000000000" pitchFamily="17" charset="-128"/>
+            </a:rPr>
+            <a:t>最後の制作、自分ができる事を精一杯やり切りました。今回の制作を生かして、今後の出来る事を増やしていきたいと思います。ゲーム面白いのでやってみてね♡</a:t>
           </a:r>
-          <a:endParaRPr kumimoji="1" lang="ja-JP" altLang="en-US"/>
+          <a:endParaRPr kumimoji="1" lang="ja-JP" altLang="en-US" dirty="0">
+            <a:latin typeface="UD デジタル 教科書体 N-B" panose="02020700000000000000" pitchFamily="17" charset="-128"/>
+            <a:ea typeface="UD デジタル 教科書体 N-B" panose="02020700000000000000" pitchFamily="17" charset="-128"/>
+          </a:endParaRPr>
         </a:p>
       </dgm:t>
     </dgm:pt>
@@ -3076,43 +3088,6 @@
       </dgm:t>
     </dgm:pt>
     <dgm:pt modelId="{4BE7E89C-AF5E-45DA-9084-111F240792D2}" type="sibTrans" cxnId="{EA12702B-442B-4E29-8906-075B024671E2}">
-      <dgm:prSet/>
-      <dgm:spPr/>
-      <dgm:t>
-        <a:bodyPr/>
-        <a:lstStyle/>
-        <a:p>
-          <a:endParaRPr kumimoji="1" lang="ja-JP" altLang="en-US"/>
-        </a:p>
-      </dgm:t>
-    </dgm:pt>
-    <dgm:pt modelId="{6939584C-4224-49AA-92FF-748449DA616B}">
-      <dgm:prSet/>
-      <dgm:spPr/>
-      <dgm:t>
-        <a:bodyPr/>
-        <a:lstStyle/>
-        <a:p>
-          <a:r>
-            <a:rPr kumimoji="1" lang="en-US" altLang="ja-JP" smtClean="0"/>
-            <a:t>cccccccc</a:t>
-          </a:r>
-          <a:endParaRPr kumimoji="1" lang="ja-JP" altLang="en-US"/>
-        </a:p>
-      </dgm:t>
-    </dgm:pt>
-    <dgm:pt modelId="{85BBF43F-AB19-4F7B-A40B-6240A04B77B3}" type="parTrans" cxnId="{01196200-51CE-4DB1-A722-A22BD751EB8A}">
-      <dgm:prSet/>
-      <dgm:spPr/>
-      <dgm:t>
-        <a:bodyPr/>
-        <a:lstStyle/>
-        <a:p>
-          <a:endParaRPr kumimoji="1" lang="ja-JP" altLang="en-US"/>
-        </a:p>
-      </dgm:t>
-    </dgm:pt>
-    <dgm:pt modelId="{0B33CD5A-1BB1-4D09-A6F8-97ECEE0A225A}" type="sibTrans" cxnId="{01196200-51CE-4DB1-A722-A22BD751EB8A}">
       <dgm:prSet/>
       <dgm:spPr/>
       <dgm:t>
@@ -3534,7 +3509,6 @@
   <dgm:cxnLst>
     <dgm:cxn modelId="{5A8C9BE2-A53E-4BAB-865D-C8AA85182CD2}" type="presOf" srcId="{F1A2854A-4EAB-4A64-AE23-989BDBFA0E13}" destId="{68D4CEE8-FC32-4604-9D9B-95D79D1206E6}" srcOrd="0" destOrd="0" presId="urn:microsoft.com/office/officeart/2005/8/layout/vList4"/>
     <dgm:cxn modelId="{F2580B98-10B9-48EB-9C90-E69F686FE295}" srcId="{D1DB9A64-2FAB-4872-B772-4D058D1F2292}" destId="{A994D5FA-B276-4EFD-AFFA-A5810AF06553}" srcOrd="1" destOrd="0" parTransId="{C8655B73-3648-4AC5-AF41-101957905522}" sibTransId="{A0224E2B-4281-4BB0-B26B-AE9D43A838A7}"/>
-    <dgm:cxn modelId="{01196200-51CE-4DB1-A722-A22BD751EB8A}" srcId="{1FE7E419-2FE6-42AF-BEB7-11B6989E3744}" destId="{6939584C-4224-49AA-92FF-748449DA616B}" srcOrd="1" destOrd="0" parTransId="{85BBF43F-AB19-4F7B-A40B-6240A04B77B3}" sibTransId="{0B33CD5A-1BB1-4D09-A6F8-97ECEE0A225A}"/>
     <dgm:cxn modelId="{6EDEADD7-7E44-45C7-B69C-C518B88CBA5C}" type="presOf" srcId="{C019C5EB-B929-458B-B014-E60B017D1F0D}" destId="{0B372F1C-1A04-4A86-B1DC-189252E666EC}" srcOrd="0" destOrd="1" presId="urn:microsoft.com/office/officeart/2005/8/layout/vList4"/>
     <dgm:cxn modelId="{C008A960-1C8F-4908-9348-B001F7A46484}" type="presOf" srcId="{1EFE662C-6413-4590-B1C8-BFD2E263A7DC}" destId="{10DAC0ED-6747-470C-B116-DC355A2C025B}" srcOrd="0" destOrd="0" presId="urn:microsoft.com/office/officeart/2005/8/layout/vList4"/>
     <dgm:cxn modelId="{0DCB1B9F-704A-4884-88CC-ABED95086670}" type="presOf" srcId="{D1DB9A64-2FAB-4872-B772-4D058D1F2292}" destId="{AE9917A4-F9A7-4D2A-83DC-0A7FDCA9A0DC}" srcOrd="1" destOrd="0" presId="urn:microsoft.com/office/officeart/2005/8/layout/vList4"/>
@@ -3548,9 +3522,7 @@
     <dgm:cxn modelId="{AA63C41E-9D2A-44CA-8689-416EE201E308}" srcId="{666652F6-1F95-47A8-8073-6D31846E62B7}" destId="{33F9BE96-6613-4654-8FFE-8FFE64742287}" srcOrd="1" destOrd="0" parTransId="{E184BC6B-4551-49FA-8638-84E6C42D472B}" sibTransId="{5471CEFD-5F20-429F-AD92-BB0EB9779955}"/>
     <dgm:cxn modelId="{394EFABD-68D5-4EB7-88EA-F4E3DC9497F9}" srcId="{1FE7E419-2FE6-42AF-BEB7-11B6989E3744}" destId="{8484DA04-92BE-472E-8A03-840297069AF1}" srcOrd="0" destOrd="0" parTransId="{BF641B71-9D0C-4D33-BE50-3FBC28C5AF1B}" sibTransId="{247A5929-2322-4F41-B772-EA26B01AB551}"/>
     <dgm:cxn modelId="{B9727E8D-61E6-4382-A74E-619C49E6E9CF}" srcId="{217A6F36-DDB0-43C3-B608-5B6117458FCF}" destId="{1EFE662C-6413-4590-B1C8-BFD2E263A7DC}" srcOrd="1" destOrd="0" parTransId="{02C0698B-17D3-4E45-A4A7-5040585DEAB6}" sibTransId="{F9D1B507-5E8D-46B2-B5BF-EB4220F081AD}"/>
-    <dgm:cxn modelId="{106642EC-FE52-43C7-826A-A6C50E9FB6DB}" type="presOf" srcId="{6939584C-4224-49AA-92FF-748449DA616B}" destId="{02631317-5A0E-4BD0-8AD9-ECBE7C09702C}" srcOrd="0" destOrd="2" presId="urn:microsoft.com/office/officeart/2005/8/layout/vList4"/>
     <dgm:cxn modelId="{8B4B530A-1490-48D2-AD13-23617BA0D9A4}" type="presOf" srcId="{A994D5FA-B276-4EFD-AFFA-A5810AF06553}" destId="{AB604FF2-4130-487F-855D-FA9C47152F0F}" srcOrd="0" destOrd="2" presId="urn:microsoft.com/office/officeart/2005/8/layout/vList4"/>
-    <dgm:cxn modelId="{00F62C31-A278-4693-B73B-621882152B44}" type="presOf" srcId="{6939584C-4224-49AA-92FF-748449DA616B}" destId="{3441361E-9B0E-4FAE-A096-7F8E63F6A1FD}" srcOrd="1" destOrd="2" presId="urn:microsoft.com/office/officeart/2005/8/layout/vList4"/>
     <dgm:cxn modelId="{9A499C1A-3E00-4CBA-B8BE-5D1836FD426A}" type="presOf" srcId="{8484DA04-92BE-472E-8A03-840297069AF1}" destId="{3441361E-9B0E-4FAE-A096-7F8E63F6A1FD}" srcOrd="1" destOrd="1" presId="urn:microsoft.com/office/officeart/2005/8/layout/vList4"/>
     <dgm:cxn modelId="{0C397B95-7B37-476D-A187-376386390A7F}" type="presOf" srcId="{F1A2854A-4EAB-4A64-AE23-989BDBFA0E13}" destId="{3BBC335C-E113-445F-BF24-95318F65A1B3}" srcOrd="1" destOrd="0" presId="urn:microsoft.com/office/officeart/2005/8/layout/vList4"/>
     <dgm:cxn modelId="{CF2439F9-198C-46B6-8033-6C45FD178439}" type="presOf" srcId="{1FE7E419-2FE6-42AF-BEB7-11B6989E3744}" destId="{02631317-5A0E-4BD0-8AD9-ECBE7C09702C}" srcOrd="0" destOrd="0" presId="urn:microsoft.com/office/officeart/2005/8/layout/vList4"/>
@@ -3999,25 +3971,25 @@
     </dgm:pt>
   </dgm:ptLst>
   <dgm:cxnLst>
+    <dgm:cxn modelId="{3B89B61F-D814-4DE8-9F51-A23A708243AA}" type="presOf" srcId="{79A27AF8-CC32-46A3-94F5-8B84B86715F8}" destId="{68D4CEE8-FC32-4604-9D9B-95D79D1206E6}" srcOrd="0" destOrd="2" presId="urn:microsoft.com/office/officeart/2005/8/layout/vList4"/>
+    <dgm:cxn modelId="{264D514A-88DF-4B08-B43A-B2753F556B63}" type="presOf" srcId="{217A6F36-DDB0-43C3-B608-5B6117458FCF}" destId="{4BE5D136-8BD1-441C-BD36-67B7CB620367}" srcOrd="0" destOrd="0" presId="urn:microsoft.com/office/officeart/2005/8/layout/vList4"/>
+    <dgm:cxn modelId="{6C50A5BD-AC75-44AC-A236-A9E7D76AB054}" srcId="{F1A2854A-4EAB-4A64-AE23-989BDBFA0E13}" destId="{79A27AF8-CC32-46A3-94F5-8B84B86715F8}" srcOrd="1" destOrd="0" parTransId="{C2F3BECD-A423-498C-AD5C-70A7D95BF635}" sibTransId="{B549A041-C88F-4C3E-8213-F9267ECB2945}"/>
+    <dgm:cxn modelId="{8AE1F306-7F48-4CAF-83BF-12618607D054}" srcId="{217A6F36-DDB0-43C3-B608-5B6117458FCF}" destId="{F1A2854A-4EAB-4A64-AE23-989BDBFA0E13}" srcOrd="1" destOrd="0" parTransId="{1C290B54-C25B-459B-943B-59D880AF5846}" sibTransId="{AC7005F4-9A5C-408D-B001-524F76CBD4D2}"/>
+    <dgm:cxn modelId="{6EDEADD7-7E44-45C7-B69C-C518B88CBA5C}" type="presOf" srcId="{C019C5EB-B929-458B-B014-E60B017D1F0D}" destId="{0B372F1C-1A04-4A86-B1DC-189252E666EC}" srcOrd="0" destOrd="1" presId="urn:microsoft.com/office/officeart/2005/8/layout/vList4"/>
+    <dgm:cxn modelId="{5A8C9BE2-A53E-4BAB-865D-C8AA85182CD2}" type="presOf" srcId="{F1A2854A-4EAB-4A64-AE23-989BDBFA0E13}" destId="{68D4CEE8-FC32-4604-9D9B-95D79D1206E6}" srcOrd="0" destOrd="0" presId="urn:microsoft.com/office/officeart/2005/8/layout/vList4"/>
+    <dgm:cxn modelId="{48BE6DB3-3C98-43FD-A87E-03F39E201B9B}" type="presOf" srcId="{79A27AF8-CC32-46A3-94F5-8B84B86715F8}" destId="{3BBC335C-E113-445F-BF24-95318F65A1B3}" srcOrd="1" destOrd="2" presId="urn:microsoft.com/office/officeart/2005/8/layout/vList4"/>
+    <dgm:cxn modelId="{7B2F2D03-AD48-45E1-99AF-A9D11FC2EF23}" type="presOf" srcId="{666652F6-1F95-47A8-8073-6D31846E62B7}" destId="{0B372F1C-1A04-4A86-B1DC-189252E666EC}" srcOrd="0" destOrd="0" presId="urn:microsoft.com/office/officeart/2005/8/layout/vList4"/>
+    <dgm:cxn modelId="{B85B818B-551C-42B2-B01F-52353087D747}" srcId="{666652F6-1F95-47A8-8073-6D31846E62B7}" destId="{C019C5EB-B929-458B-B014-E60B017D1F0D}" srcOrd="0" destOrd="0" parTransId="{39250A5B-5FD2-4A0D-AE85-0260F2E9E3ED}" sibTransId="{9190283A-4F73-4E25-B82F-029878E7D6ED}"/>
+    <dgm:cxn modelId="{872D0DAF-3313-4826-97E2-FA12195C4112}" type="presOf" srcId="{85FF1B83-30CC-4D67-8823-93CA2F7E4072}" destId="{3BBC335C-E113-445F-BF24-95318F65A1B3}" srcOrd="1" destOrd="1" presId="urn:microsoft.com/office/officeart/2005/8/layout/vList4"/>
+    <dgm:cxn modelId="{17E8D5B4-C9A6-454E-BEB6-060D0EF5408C}" srcId="{217A6F36-DDB0-43C3-B608-5B6117458FCF}" destId="{666652F6-1F95-47A8-8073-6D31846E62B7}" srcOrd="0" destOrd="0" parTransId="{2092ACAD-9D09-47D9-B81D-BE636E91B6AA}" sibTransId="{4C592C88-5DE5-45D9-B80F-6B957BEC02C8}"/>
+    <dgm:cxn modelId="{B5059117-3555-4BE6-B70C-718D93AA6CD5}" type="presOf" srcId="{666652F6-1F95-47A8-8073-6D31846E62B7}" destId="{18A78CC3-C81E-4D29-9490-A4582C404108}" srcOrd="1" destOrd="0" presId="urn:microsoft.com/office/officeart/2005/8/layout/vList4"/>
+    <dgm:cxn modelId="{6187DC3B-3626-4F8A-9F7B-C0137C40EE78}" type="presOf" srcId="{AA9D375B-93DB-497F-B4DC-6AA6EB5ED166}" destId="{0B372F1C-1A04-4A86-B1DC-189252E666EC}" srcOrd="0" destOrd="2" presId="urn:microsoft.com/office/officeart/2005/8/layout/vList4"/>
+    <dgm:cxn modelId="{DA9A1C39-F5B0-4DA9-884D-ABA476457A24}" srcId="{666652F6-1F95-47A8-8073-6D31846E62B7}" destId="{AA9D375B-93DB-497F-B4DC-6AA6EB5ED166}" srcOrd="1" destOrd="0" parTransId="{04ACDD3E-15BF-4D5E-8E80-996B2895A929}" sibTransId="{77239C7B-A832-4B89-8673-D5246E812090}"/>
+    <dgm:cxn modelId="{0C397B95-7B37-476D-A187-376386390A7F}" type="presOf" srcId="{F1A2854A-4EAB-4A64-AE23-989BDBFA0E13}" destId="{3BBC335C-E113-445F-BF24-95318F65A1B3}" srcOrd="1" destOrd="0" presId="urn:microsoft.com/office/officeart/2005/8/layout/vList4"/>
     <dgm:cxn modelId="{BCE42DA4-B222-419A-B580-D298138D40C7}" type="presOf" srcId="{AA9D375B-93DB-497F-B4DC-6AA6EB5ED166}" destId="{18A78CC3-C81E-4D29-9490-A4582C404108}" srcOrd="1" destOrd="2" presId="urn:microsoft.com/office/officeart/2005/8/layout/vList4"/>
+    <dgm:cxn modelId="{C16BEE2A-AC1D-4EFA-B732-21FB47AEB052}" type="presOf" srcId="{C019C5EB-B929-458B-B014-E60B017D1F0D}" destId="{18A78CC3-C81E-4D29-9490-A4582C404108}" srcOrd="1" destOrd="1" presId="urn:microsoft.com/office/officeart/2005/8/layout/vList4"/>
     <dgm:cxn modelId="{45183E69-1EF9-4066-A433-ABC469048BEC}" type="presOf" srcId="{85FF1B83-30CC-4D67-8823-93CA2F7E4072}" destId="{68D4CEE8-FC32-4604-9D9B-95D79D1206E6}" srcOrd="0" destOrd="1" presId="urn:microsoft.com/office/officeart/2005/8/layout/vList4"/>
     <dgm:cxn modelId="{DD018D43-A813-486F-A163-2309C2CBCA77}" srcId="{F1A2854A-4EAB-4A64-AE23-989BDBFA0E13}" destId="{85FF1B83-30CC-4D67-8823-93CA2F7E4072}" srcOrd="0" destOrd="0" parTransId="{F8722547-05F7-4F18-A7D6-ADFCC6A357E9}" sibTransId="{7807F1EF-A202-48E0-BC08-F1A06006EF87}"/>
-    <dgm:cxn modelId="{DA9A1C39-F5B0-4DA9-884D-ABA476457A24}" srcId="{666652F6-1F95-47A8-8073-6D31846E62B7}" destId="{AA9D375B-93DB-497F-B4DC-6AA6EB5ED166}" srcOrd="1" destOrd="0" parTransId="{04ACDD3E-15BF-4D5E-8E80-996B2895A929}" sibTransId="{77239C7B-A832-4B89-8673-D5246E812090}"/>
-    <dgm:cxn modelId="{C16BEE2A-AC1D-4EFA-B732-21FB47AEB052}" type="presOf" srcId="{C019C5EB-B929-458B-B014-E60B017D1F0D}" destId="{18A78CC3-C81E-4D29-9490-A4582C404108}" srcOrd="1" destOrd="1" presId="urn:microsoft.com/office/officeart/2005/8/layout/vList4"/>
-    <dgm:cxn modelId="{6C50A5BD-AC75-44AC-A236-A9E7D76AB054}" srcId="{F1A2854A-4EAB-4A64-AE23-989BDBFA0E13}" destId="{79A27AF8-CC32-46A3-94F5-8B84B86715F8}" srcOrd="1" destOrd="0" parTransId="{C2F3BECD-A423-498C-AD5C-70A7D95BF635}" sibTransId="{B549A041-C88F-4C3E-8213-F9267ECB2945}"/>
-    <dgm:cxn modelId="{7B2F2D03-AD48-45E1-99AF-A9D11FC2EF23}" type="presOf" srcId="{666652F6-1F95-47A8-8073-6D31846E62B7}" destId="{0B372F1C-1A04-4A86-B1DC-189252E666EC}" srcOrd="0" destOrd="0" presId="urn:microsoft.com/office/officeart/2005/8/layout/vList4"/>
-    <dgm:cxn modelId="{17E8D5B4-C9A6-454E-BEB6-060D0EF5408C}" srcId="{217A6F36-DDB0-43C3-B608-5B6117458FCF}" destId="{666652F6-1F95-47A8-8073-6D31846E62B7}" srcOrd="0" destOrd="0" parTransId="{2092ACAD-9D09-47D9-B81D-BE636E91B6AA}" sibTransId="{4C592C88-5DE5-45D9-B80F-6B957BEC02C8}"/>
-    <dgm:cxn modelId="{3B89B61F-D814-4DE8-9F51-A23A708243AA}" type="presOf" srcId="{79A27AF8-CC32-46A3-94F5-8B84B86715F8}" destId="{68D4CEE8-FC32-4604-9D9B-95D79D1206E6}" srcOrd="0" destOrd="2" presId="urn:microsoft.com/office/officeart/2005/8/layout/vList4"/>
-    <dgm:cxn modelId="{8AE1F306-7F48-4CAF-83BF-12618607D054}" srcId="{217A6F36-DDB0-43C3-B608-5B6117458FCF}" destId="{F1A2854A-4EAB-4A64-AE23-989BDBFA0E13}" srcOrd="1" destOrd="0" parTransId="{1C290B54-C25B-459B-943B-59D880AF5846}" sibTransId="{AC7005F4-9A5C-408D-B001-524F76CBD4D2}"/>
-    <dgm:cxn modelId="{264D514A-88DF-4B08-B43A-B2753F556B63}" type="presOf" srcId="{217A6F36-DDB0-43C3-B608-5B6117458FCF}" destId="{4BE5D136-8BD1-441C-BD36-67B7CB620367}" srcOrd="0" destOrd="0" presId="urn:microsoft.com/office/officeart/2005/8/layout/vList4"/>
-    <dgm:cxn modelId="{B5059117-3555-4BE6-B70C-718D93AA6CD5}" type="presOf" srcId="{666652F6-1F95-47A8-8073-6D31846E62B7}" destId="{18A78CC3-C81E-4D29-9490-A4582C404108}" srcOrd="1" destOrd="0" presId="urn:microsoft.com/office/officeart/2005/8/layout/vList4"/>
-    <dgm:cxn modelId="{6187DC3B-3626-4F8A-9F7B-C0137C40EE78}" type="presOf" srcId="{AA9D375B-93DB-497F-B4DC-6AA6EB5ED166}" destId="{0B372F1C-1A04-4A86-B1DC-189252E666EC}" srcOrd="0" destOrd="2" presId="urn:microsoft.com/office/officeart/2005/8/layout/vList4"/>
-    <dgm:cxn modelId="{48BE6DB3-3C98-43FD-A87E-03F39E201B9B}" type="presOf" srcId="{79A27AF8-CC32-46A3-94F5-8B84B86715F8}" destId="{3BBC335C-E113-445F-BF24-95318F65A1B3}" srcOrd="1" destOrd="2" presId="urn:microsoft.com/office/officeart/2005/8/layout/vList4"/>
-    <dgm:cxn modelId="{B85B818B-551C-42B2-B01F-52353087D747}" srcId="{666652F6-1F95-47A8-8073-6D31846E62B7}" destId="{C019C5EB-B929-458B-B014-E60B017D1F0D}" srcOrd="0" destOrd="0" parTransId="{39250A5B-5FD2-4A0D-AE85-0260F2E9E3ED}" sibTransId="{9190283A-4F73-4E25-B82F-029878E7D6ED}"/>
-    <dgm:cxn modelId="{6EDEADD7-7E44-45C7-B69C-C518B88CBA5C}" type="presOf" srcId="{C019C5EB-B929-458B-B014-E60B017D1F0D}" destId="{0B372F1C-1A04-4A86-B1DC-189252E666EC}" srcOrd="0" destOrd="1" presId="urn:microsoft.com/office/officeart/2005/8/layout/vList4"/>
-    <dgm:cxn modelId="{0C397B95-7B37-476D-A187-376386390A7F}" type="presOf" srcId="{F1A2854A-4EAB-4A64-AE23-989BDBFA0E13}" destId="{3BBC335C-E113-445F-BF24-95318F65A1B3}" srcOrd="1" destOrd="0" presId="urn:microsoft.com/office/officeart/2005/8/layout/vList4"/>
-    <dgm:cxn modelId="{5A8C9BE2-A53E-4BAB-865D-C8AA85182CD2}" type="presOf" srcId="{F1A2854A-4EAB-4A64-AE23-989BDBFA0E13}" destId="{68D4CEE8-FC32-4604-9D9B-95D79D1206E6}" srcOrd="0" destOrd="0" presId="urn:microsoft.com/office/officeart/2005/8/layout/vList4"/>
-    <dgm:cxn modelId="{872D0DAF-3313-4826-97E2-FA12195C4112}" type="presOf" srcId="{85FF1B83-30CC-4D67-8823-93CA2F7E4072}" destId="{3BBC335C-E113-445F-BF24-95318F65A1B3}" srcOrd="1" destOrd="1" presId="urn:microsoft.com/office/officeart/2005/8/layout/vList4"/>
     <dgm:cxn modelId="{4C4EBAB1-E163-4D5D-A88A-84B3D3EB7AAF}" type="presParOf" srcId="{4BE5D136-8BD1-441C-BD36-67B7CB620367}" destId="{625FD570-F2C0-45EF-AE1B-157268F1F9B8}" srcOrd="0" destOrd="0" presId="urn:microsoft.com/office/officeart/2005/8/layout/vList4"/>
     <dgm:cxn modelId="{089AE70F-7A30-4ACE-8CA4-0ACDD01D4C45}" type="presParOf" srcId="{625FD570-F2C0-45EF-AE1B-157268F1F9B8}" destId="{0B372F1C-1A04-4A86-B1DC-189252E666EC}" srcOrd="0" destOrd="0" presId="urn:microsoft.com/office/officeart/2005/8/layout/vList4"/>
     <dgm:cxn modelId="{6D27E316-F161-4549-917F-D03539DA13BF}" type="presParOf" srcId="{625FD570-F2C0-45EF-AE1B-157268F1F9B8}" destId="{C15688EA-32D5-40B4-95D4-EB6321DB5631}" srcOrd="1" destOrd="0" presId="urn:microsoft.com/office/officeart/2005/8/layout/vList4"/>
@@ -4175,14 +4147,7 @@
               <a:latin typeface="HGS創英角ﾎﾟｯﾌﾟ体" panose="040B0A00000000000000" pitchFamily="50" charset="-128"/>
               <a:ea typeface="HGS創英角ﾎﾟｯﾌﾟ体" panose="040B0A00000000000000" pitchFamily="50" charset="-128"/>
             </a:rPr>
-            <a:t>余</a:t>
-          </a:r>
-          <a:r>
-            <a:rPr kumimoji="1" lang="ja-JP" altLang="en-US" smtClean="0">
-              <a:latin typeface="HGS創英角ﾎﾟｯﾌﾟ体" panose="040B0A00000000000000" pitchFamily="50" charset="-128"/>
-              <a:ea typeface="HGS創英角ﾎﾟｯﾌﾟ体" panose="040B0A00000000000000" pitchFamily="50" charset="-128"/>
-            </a:rPr>
-            <a:t>時澤</a:t>
+            <a:t>余時澤</a:t>
           </a:r>
           <a:endParaRPr kumimoji="1" lang="ja-JP" altLang="en-US">
             <a:latin typeface="HGS創英角ﾎﾟｯﾌﾟ体" panose="040B0A00000000000000" pitchFamily="50" charset="-128"/>
@@ -4593,31 +4558,31 @@
     </dgm:pt>
   </dgm:ptLst>
   <dgm:cxnLst>
+    <dgm:cxn modelId="{3B89B61F-D814-4DE8-9F51-A23A708243AA}" type="presOf" srcId="{79A27AF8-CC32-46A3-94F5-8B84B86715F8}" destId="{68D4CEE8-FC32-4604-9D9B-95D79D1206E6}" srcOrd="0" destOrd="1" presId="urn:microsoft.com/office/officeart/2005/8/layout/vList4"/>
+    <dgm:cxn modelId="{264D514A-88DF-4B08-B43A-B2753F556B63}" type="presOf" srcId="{217A6F36-DDB0-43C3-B608-5B6117458FCF}" destId="{4BE5D136-8BD1-441C-BD36-67B7CB620367}" srcOrd="0" destOrd="0" presId="urn:microsoft.com/office/officeart/2005/8/layout/vList4"/>
+    <dgm:cxn modelId="{6C50A5BD-AC75-44AC-A236-A9E7D76AB054}" srcId="{F1A2854A-4EAB-4A64-AE23-989BDBFA0E13}" destId="{79A27AF8-CC32-46A3-94F5-8B84B86715F8}" srcOrd="0" destOrd="0" parTransId="{C2F3BECD-A423-498C-AD5C-70A7D95BF635}" sibTransId="{B549A041-C88F-4C3E-8213-F9267ECB2945}"/>
+    <dgm:cxn modelId="{8AE1F306-7F48-4CAF-83BF-12618607D054}" srcId="{217A6F36-DDB0-43C3-B608-5B6117458FCF}" destId="{F1A2854A-4EAB-4A64-AE23-989BDBFA0E13}" srcOrd="2" destOrd="0" parTransId="{1C290B54-C25B-459B-943B-59D880AF5846}" sibTransId="{AC7005F4-9A5C-408D-B001-524F76CBD4D2}"/>
+    <dgm:cxn modelId="{1CF486A6-5323-4181-AC5F-F76D7BB29101}" type="presOf" srcId="{420C7F46-BF5A-45BF-BF05-402899609562}" destId="{71514800-9BBF-4CB9-ABCA-6A9D0357D521}" srcOrd="1" destOrd="2" presId="urn:microsoft.com/office/officeart/2005/8/layout/vList4"/>
+    <dgm:cxn modelId="{6EDEADD7-7E44-45C7-B69C-C518B88CBA5C}" type="presOf" srcId="{C019C5EB-B929-458B-B014-E60B017D1F0D}" destId="{0B372F1C-1A04-4A86-B1DC-189252E666EC}" srcOrd="0" destOrd="1" presId="urn:microsoft.com/office/officeart/2005/8/layout/vList4"/>
+    <dgm:cxn modelId="{5A8C9BE2-A53E-4BAB-865D-C8AA85182CD2}" type="presOf" srcId="{F1A2854A-4EAB-4A64-AE23-989BDBFA0E13}" destId="{68D4CEE8-FC32-4604-9D9B-95D79D1206E6}" srcOrd="0" destOrd="0" presId="urn:microsoft.com/office/officeart/2005/8/layout/vList4"/>
+    <dgm:cxn modelId="{48BE6DB3-3C98-43FD-A87E-03F39E201B9B}" type="presOf" srcId="{79A27AF8-CC32-46A3-94F5-8B84B86715F8}" destId="{3BBC335C-E113-445F-BF24-95318F65A1B3}" srcOrd="1" destOrd="1" presId="urn:microsoft.com/office/officeart/2005/8/layout/vList4"/>
+    <dgm:cxn modelId="{A2F2AEB2-0E8B-485A-A1D3-3491359197D9}" type="presOf" srcId="{E277E953-388C-48DD-9597-606BEB3E4ABB}" destId="{DF1E0C04-23F9-47CC-987E-E251A2FF75F2}" srcOrd="0" destOrd="1" presId="urn:microsoft.com/office/officeart/2005/8/layout/vList4"/>
+    <dgm:cxn modelId="{31668A16-E512-4138-81DA-9CD722060B3C}" type="presOf" srcId="{E277E953-388C-48DD-9597-606BEB3E4ABB}" destId="{71514800-9BBF-4CB9-ABCA-6A9D0357D521}" srcOrd="1" destOrd="1" presId="urn:microsoft.com/office/officeart/2005/8/layout/vList4"/>
+    <dgm:cxn modelId="{7B2F2D03-AD48-45E1-99AF-A9D11FC2EF23}" type="presOf" srcId="{666652F6-1F95-47A8-8073-6D31846E62B7}" destId="{0B372F1C-1A04-4A86-B1DC-189252E666EC}" srcOrd="0" destOrd="0" presId="urn:microsoft.com/office/officeart/2005/8/layout/vList4"/>
+    <dgm:cxn modelId="{B85B818B-551C-42B2-B01F-52353087D747}" srcId="{666652F6-1F95-47A8-8073-6D31846E62B7}" destId="{C019C5EB-B929-458B-B014-E60B017D1F0D}" srcOrd="0" destOrd="0" parTransId="{39250A5B-5FD2-4A0D-AE85-0260F2E9E3ED}" sibTransId="{9190283A-4F73-4E25-B82F-029878E7D6ED}"/>
+    <dgm:cxn modelId="{965D8352-B86A-484D-AFE2-3C9FCAF26BEE}" srcId="{3A7EA146-AB85-4E1F-AB5A-23192859C115}" destId="{E277E953-388C-48DD-9597-606BEB3E4ABB}" srcOrd="0" destOrd="0" parTransId="{48E9A863-9656-422F-9530-8E9BB1AE56CD}" sibTransId="{A4784A3E-125B-407A-B66F-B4DB05C87C9F}"/>
+    <dgm:cxn modelId="{17E8D5B4-C9A6-454E-BEB6-060D0EF5408C}" srcId="{217A6F36-DDB0-43C3-B608-5B6117458FCF}" destId="{666652F6-1F95-47A8-8073-6D31846E62B7}" srcOrd="0" destOrd="0" parTransId="{2092ACAD-9D09-47D9-B81D-BE636E91B6AA}" sibTransId="{4C592C88-5DE5-45D9-B80F-6B957BEC02C8}"/>
+    <dgm:cxn modelId="{B5059117-3555-4BE6-B70C-718D93AA6CD5}" type="presOf" srcId="{666652F6-1F95-47A8-8073-6D31846E62B7}" destId="{18A78CC3-C81E-4D29-9490-A4582C404108}" srcOrd="1" destOrd="0" presId="urn:microsoft.com/office/officeart/2005/8/layout/vList4"/>
     <dgm:cxn modelId="{6187DC3B-3626-4F8A-9F7B-C0137C40EE78}" type="presOf" srcId="{AA9D375B-93DB-497F-B4DC-6AA6EB5ED166}" destId="{0B372F1C-1A04-4A86-B1DC-189252E666EC}" srcOrd="0" destOrd="2" presId="urn:microsoft.com/office/officeart/2005/8/layout/vList4"/>
-    <dgm:cxn modelId="{6EDEADD7-7E44-45C7-B69C-C518B88CBA5C}" type="presOf" srcId="{C019C5EB-B929-458B-B014-E60B017D1F0D}" destId="{0B372F1C-1A04-4A86-B1DC-189252E666EC}" srcOrd="0" destOrd="1" presId="urn:microsoft.com/office/officeart/2005/8/layout/vList4"/>
     <dgm:cxn modelId="{A1C1CEB9-D3E9-4DE9-A287-A5880A3A374A}" type="presOf" srcId="{420C7F46-BF5A-45BF-BF05-402899609562}" destId="{DF1E0C04-23F9-47CC-987E-E251A2FF75F2}" srcOrd="0" destOrd="2" presId="urn:microsoft.com/office/officeart/2005/8/layout/vList4"/>
-    <dgm:cxn modelId="{17E8D5B4-C9A6-454E-BEB6-060D0EF5408C}" srcId="{217A6F36-DDB0-43C3-B608-5B6117458FCF}" destId="{666652F6-1F95-47A8-8073-6D31846E62B7}" srcOrd="0" destOrd="0" parTransId="{2092ACAD-9D09-47D9-B81D-BE636E91B6AA}" sibTransId="{4C592C88-5DE5-45D9-B80F-6B957BEC02C8}"/>
-    <dgm:cxn modelId="{6C50A5BD-AC75-44AC-A236-A9E7D76AB054}" srcId="{F1A2854A-4EAB-4A64-AE23-989BDBFA0E13}" destId="{79A27AF8-CC32-46A3-94F5-8B84B86715F8}" srcOrd="0" destOrd="0" parTransId="{C2F3BECD-A423-498C-AD5C-70A7D95BF635}" sibTransId="{B549A041-C88F-4C3E-8213-F9267ECB2945}"/>
-    <dgm:cxn modelId="{B5059117-3555-4BE6-B70C-718D93AA6CD5}" type="presOf" srcId="{666652F6-1F95-47A8-8073-6D31846E62B7}" destId="{18A78CC3-C81E-4D29-9490-A4582C404108}" srcOrd="1" destOrd="0" presId="urn:microsoft.com/office/officeart/2005/8/layout/vList4"/>
-    <dgm:cxn modelId="{31668A16-E512-4138-81DA-9CD722060B3C}" type="presOf" srcId="{E277E953-388C-48DD-9597-606BEB3E4ABB}" destId="{71514800-9BBF-4CB9-ABCA-6A9D0357D521}" srcOrd="1" destOrd="1" presId="urn:microsoft.com/office/officeart/2005/8/layout/vList4"/>
-    <dgm:cxn modelId="{B85B818B-551C-42B2-B01F-52353087D747}" srcId="{666652F6-1F95-47A8-8073-6D31846E62B7}" destId="{C019C5EB-B929-458B-B014-E60B017D1F0D}" srcOrd="0" destOrd="0" parTransId="{39250A5B-5FD2-4A0D-AE85-0260F2E9E3ED}" sibTransId="{9190283A-4F73-4E25-B82F-029878E7D6ED}"/>
+    <dgm:cxn modelId="{C1B847A4-2E6F-4393-89F2-DCED96E2BFA1}" type="presOf" srcId="{3A7EA146-AB85-4E1F-AB5A-23192859C115}" destId="{71514800-9BBF-4CB9-ABCA-6A9D0357D521}" srcOrd="1" destOrd="0" presId="urn:microsoft.com/office/officeart/2005/8/layout/vList4"/>
+    <dgm:cxn modelId="{DDAA4285-5027-4A09-880A-DB4967D51CF1}" type="presOf" srcId="{3A7EA146-AB85-4E1F-AB5A-23192859C115}" destId="{DF1E0C04-23F9-47CC-987E-E251A2FF75F2}" srcOrd="0" destOrd="0" presId="urn:microsoft.com/office/officeart/2005/8/layout/vList4"/>
     <dgm:cxn modelId="{DA9A1C39-F5B0-4DA9-884D-ABA476457A24}" srcId="{666652F6-1F95-47A8-8073-6D31846E62B7}" destId="{AA9D375B-93DB-497F-B4DC-6AA6EB5ED166}" srcOrd="1" destOrd="0" parTransId="{04ACDD3E-15BF-4D5E-8E80-996B2895A929}" sibTransId="{77239C7B-A832-4B89-8673-D5246E812090}"/>
-    <dgm:cxn modelId="{48BE6DB3-3C98-43FD-A87E-03F39E201B9B}" type="presOf" srcId="{79A27AF8-CC32-46A3-94F5-8B84B86715F8}" destId="{3BBC335C-E113-445F-BF24-95318F65A1B3}" srcOrd="1" destOrd="1" presId="urn:microsoft.com/office/officeart/2005/8/layout/vList4"/>
-    <dgm:cxn modelId="{264D514A-88DF-4B08-B43A-B2753F556B63}" type="presOf" srcId="{217A6F36-DDB0-43C3-B608-5B6117458FCF}" destId="{4BE5D136-8BD1-441C-BD36-67B7CB620367}" srcOrd="0" destOrd="0" presId="urn:microsoft.com/office/officeart/2005/8/layout/vList4"/>
-    <dgm:cxn modelId="{A2F2AEB2-0E8B-485A-A1D3-3491359197D9}" type="presOf" srcId="{E277E953-388C-48DD-9597-606BEB3E4ABB}" destId="{DF1E0C04-23F9-47CC-987E-E251A2FF75F2}" srcOrd="0" destOrd="1" presId="urn:microsoft.com/office/officeart/2005/8/layout/vList4"/>
+    <dgm:cxn modelId="{0C397B95-7B37-476D-A187-376386390A7F}" type="presOf" srcId="{F1A2854A-4EAB-4A64-AE23-989BDBFA0E13}" destId="{3BBC335C-E113-445F-BF24-95318F65A1B3}" srcOrd="1" destOrd="0" presId="urn:microsoft.com/office/officeart/2005/8/layout/vList4"/>
     <dgm:cxn modelId="{5BFC9D1C-54DA-4791-A382-4F8C4F4B8D2A}" srcId="{217A6F36-DDB0-43C3-B608-5B6117458FCF}" destId="{3A7EA146-AB85-4E1F-AB5A-23192859C115}" srcOrd="1" destOrd="0" parTransId="{182D902A-9872-4F39-904C-CF931D8219E7}" sibTransId="{A1231544-AE8C-40C6-B996-EA15C7FFC773}"/>
-    <dgm:cxn modelId="{8AE1F306-7F48-4CAF-83BF-12618607D054}" srcId="{217A6F36-DDB0-43C3-B608-5B6117458FCF}" destId="{F1A2854A-4EAB-4A64-AE23-989BDBFA0E13}" srcOrd="2" destOrd="0" parTransId="{1C290B54-C25B-459B-943B-59D880AF5846}" sibTransId="{AC7005F4-9A5C-408D-B001-524F76CBD4D2}"/>
-    <dgm:cxn modelId="{5A8C9BE2-A53E-4BAB-865D-C8AA85182CD2}" type="presOf" srcId="{F1A2854A-4EAB-4A64-AE23-989BDBFA0E13}" destId="{68D4CEE8-FC32-4604-9D9B-95D79D1206E6}" srcOrd="0" destOrd="0" presId="urn:microsoft.com/office/officeart/2005/8/layout/vList4"/>
-    <dgm:cxn modelId="{DDAA4285-5027-4A09-880A-DB4967D51CF1}" type="presOf" srcId="{3A7EA146-AB85-4E1F-AB5A-23192859C115}" destId="{DF1E0C04-23F9-47CC-987E-E251A2FF75F2}" srcOrd="0" destOrd="0" presId="urn:microsoft.com/office/officeart/2005/8/layout/vList4"/>
-    <dgm:cxn modelId="{3B89B61F-D814-4DE8-9F51-A23A708243AA}" type="presOf" srcId="{79A27AF8-CC32-46A3-94F5-8B84B86715F8}" destId="{68D4CEE8-FC32-4604-9D9B-95D79D1206E6}" srcOrd="0" destOrd="1" presId="urn:microsoft.com/office/officeart/2005/8/layout/vList4"/>
-    <dgm:cxn modelId="{1CF486A6-5323-4181-AC5F-F76D7BB29101}" type="presOf" srcId="{420C7F46-BF5A-45BF-BF05-402899609562}" destId="{71514800-9BBF-4CB9-ABCA-6A9D0357D521}" srcOrd="1" destOrd="2" presId="urn:microsoft.com/office/officeart/2005/8/layout/vList4"/>
-    <dgm:cxn modelId="{C1B847A4-2E6F-4393-89F2-DCED96E2BFA1}" type="presOf" srcId="{3A7EA146-AB85-4E1F-AB5A-23192859C115}" destId="{71514800-9BBF-4CB9-ABCA-6A9D0357D521}" srcOrd="1" destOrd="0" presId="urn:microsoft.com/office/officeart/2005/8/layout/vList4"/>
-    <dgm:cxn modelId="{7B2F2D03-AD48-45E1-99AF-A9D11FC2EF23}" type="presOf" srcId="{666652F6-1F95-47A8-8073-6D31846E62B7}" destId="{0B372F1C-1A04-4A86-B1DC-189252E666EC}" srcOrd="0" destOrd="0" presId="urn:microsoft.com/office/officeart/2005/8/layout/vList4"/>
     <dgm:cxn modelId="{BCE42DA4-B222-419A-B580-D298138D40C7}" type="presOf" srcId="{AA9D375B-93DB-497F-B4DC-6AA6EB5ED166}" destId="{18A78CC3-C81E-4D29-9490-A4582C404108}" srcOrd="1" destOrd="2" presId="urn:microsoft.com/office/officeart/2005/8/layout/vList4"/>
-    <dgm:cxn modelId="{0C397B95-7B37-476D-A187-376386390A7F}" type="presOf" srcId="{F1A2854A-4EAB-4A64-AE23-989BDBFA0E13}" destId="{3BBC335C-E113-445F-BF24-95318F65A1B3}" srcOrd="1" destOrd="0" presId="urn:microsoft.com/office/officeart/2005/8/layout/vList4"/>
+    <dgm:cxn modelId="{C16BEE2A-AC1D-4EFA-B732-21FB47AEB052}" type="presOf" srcId="{C019C5EB-B929-458B-B014-E60B017D1F0D}" destId="{18A78CC3-C81E-4D29-9490-A4582C404108}" srcOrd="1" destOrd="1" presId="urn:microsoft.com/office/officeart/2005/8/layout/vList4"/>
     <dgm:cxn modelId="{D7D03C92-2D71-4FF2-AFEC-FB40C6EB0270}" srcId="{3A7EA146-AB85-4E1F-AB5A-23192859C115}" destId="{420C7F46-BF5A-45BF-BF05-402899609562}" srcOrd="1" destOrd="0" parTransId="{337245C9-392C-46E2-8184-482C11835827}" sibTransId="{A3052453-006F-4FC7-9808-D1BD594A9D66}"/>
-    <dgm:cxn modelId="{C16BEE2A-AC1D-4EFA-B732-21FB47AEB052}" type="presOf" srcId="{C019C5EB-B929-458B-B014-E60B017D1F0D}" destId="{18A78CC3-C81E-4D29-9490-A4582C404108}" srcOrd="1" destOrd="1" presId="urn:microsoft.com/office/officeart/2005/8/layout/vList4"/>
-    <dgm:cxn modelId="{965D8352-B86A-484D-AFE2-3C9FCAF26BEE}" srcId="{3A7EA146-AB85-4E1F-AB5A-23192859C115}" destId="{E277E953-388C-48DD-9597-606BEB3E4ABB}" srcOrd="0" destOrd="0" parTransId="{48E9A863-9656-422F-9530-8E9BB1AE56CD}" sibTransId="{A4784A3E-125B-407A-B66F-B4DB05C87C9F}"/>
     <dgm:cxn modelId="{4C4EBAB1-E163-4D5D-A88A-84B3D3EB7AAF}" type="presParOf" srcId="{4BE5D136-8BD1-441C-BD36-67B7CB620367}" destId="{625FD570-F2C0-45EF-AE1B-157268F1F9B8}" srcOrd="0" destOrd="0" presId="urn:microsoft.com/office/officeart/2005/8/layout/vList4"/>
     <dgm:cxn modelId="{089AE70F-7A30-4ACE-8CA4-0ACDD01D4C45}" type="presParOf" srcId="{625FD570-F2C0-45EF-AE1B-157268F1F9B8}" destId="{0B372F1C-1A04-4A86-B1DC-189252E666EC}" srcOrd="0" destOrd="0" presId="urn:microsoft.com/office/officeart/2005/8/layout/vList4"/>
     <dgm:cxn modelId="{6D27E316-F161-4549-917F-D03539DA13BF}" type="presParOf" srcId="{625FD570-F2C0-45EF-AE1B-157268F1F9B8}" destId="{C15688EA-32D5-40B4-95D4-EB6321DB5631}" srcOrd="1" destOrd="0" presId="urn:microsoft.com/office/officeart/2005/8/layout/vList4"/>
@@ -5069,10 +5034,16 @@
             </a:spcAft>
           </a:pPr>
           <a:r>
-            <a:rPr kumimoji="1" lang="en-US" altLang="ja-JP" sz="1900" kern="1200" smtClean="0"/>
-            <a:t>3</a:t>
+            <a:rPr kumimoji="1" lang="ja-JP" altLang="en-US" sz="1900" kern="1200" dirty="0" smtClean="0">
+              <a:latin typeface="UD デジタル 教科書体 N-B" panose="02020700000000000000" pitchFamily="17" charset="-128"/>
+              <a:ea typeface="UD デジタル 教科書体 N-B" panose="02020700000000000000" pitchFamily="17" charset="-128"/>
+            </a:rPr>
+            <a:t>松田　樹</a:t>
           </a:r>
-          <a:endParaRPr kumimoji="1" lang="ja-JP" altLang="en-US" sz="1900" kern="1200"/>
+          <a:endParaRPr kumimoji="1" lang="ja-JP" altLang="en-US" sz="1900" kern="1200" dirty="0">
+            <a:latin typeface="UD デジタル 教科書体 N-B" panose="02020700000000000000" pitchFamily="17" charset="-128"/>
+            <a:ea typeface="UD デジタル 教科書体 N-B" panose="02020700000000000000" pitchFamily="17" charset="-128"/>
+          </a:endParaRPr>
         </a:p>
         <a:p>
           <a:pPr marL="114300" lvl="1" indent="-114300" algn="l" defTabSz="666750">
@@ -5088,29 +5059,16 @@
             <a:buChar char="••"/>
           </a:pPr>
           <a:r>
-            <a:rPr kumimoji="1" lang="en-US" altLang="ja-JP" sz="1500" kern="1200" smtClean="0"/>
-            <a:t>Ccccccc</a:t>
+            <a:rPr kumimoji="1" lang="ja-JP" altLang="en-US" sz="1500" kern="1200" dirty="0" smtClean="0">
+              <a:latin typeface="UD デジタル 教科書体 N-B" panose="02020700000000000000" pitchFamily="17" charset="-128"/>
+              <a:ea typeface="UD デジタル 教科書体 N-B" panose="02020700000000000000" pitchFamily="17" charset="-128"/>
+            </a:rPr>
+            <a:t>最後の制作、自分ができる事を精一杯やり切りました。今回の制作を生かして、今後の出来る事を増やしていきたいと思います。ゲーム面白いのでやってみてね♡</a:t>
           </a:r>
-          <a:endParaRPr kumimoji="1" lang="ja-JP" altLang="en-US" sz="1500" kern="1200"/>
-        </a:p>
-        <a:p>
-          <a:pPr marL="114300" lvl="1" indent="-114300" algn="l" defTabSz="666750">
-            <a:lnSpc>
-              <a:spcPct val="90000"/>
-            </a:lnSpc>
-            <a:spcBef>
-              <a:spcPct val="0"/>
-            </a:spcBef>
-            <a:spcAft>
-              <a:spcPct val="15000"/>
-            </a:spcAft>
-            <a:buChar char="••"/>
-          </a:pPr>
-          <a:r>
-            <a:rPr kumimoji="1" lang="en-US" altLang="ja-JP" sz="1500" kern="1200" smtClean="0"/>
-            <a:t>cccccccc</a:t>
-          </a:r>
-          <a:endParaRPr kumimoji="1" lang="ja-JP" altLang="en-US" sz="1500" kern="1200"/>
+          <a:endParaRPr kumimoji="1" lang="ja-JP" altLang="en-US" sz="1500" kern="1200" dirty="0">
+            <a:latin typeface="UD デジタル 教科書体 N-B" panose="02020700000000000000" pitchFamily="17" charset="-128"/>
+            <a:ea typeface="UD デジタル 教科書体 N-B" panose="02020700000000000000" pitchFamily="17" charset="-128"/>
+          </a:endParaRPr>
         </a:p>
       </dsp:txBody>
       <dsp:txXfrm>
@@ -5243,10 +5201,10 @@
             </a:spcAft>
           </a:pPr>
           <a:r>
-            <a:rPr kumimoji="1" lang="en-US" altLang="ja-JP" sz="1900" kern="1200" smtClean="0"/>
+            <a:rPr kumimoji="1" lang="en-US" altLang="ja-JP" sz="1900" kern="1200" dirty="0" smtClean="0"/>
             <a:t>4</a:t>
           </a:r>
-          <a:endParaRPr kumimoji="1" lang="ja-JP" altLang="en-US" sz="1900" kern="1200"/>
+          <a:endParaRPr kumimoji="1" lang="ja-JP" altLang="en-US" sz="1900" kern="1200" dirty="0"/>
         </a:p>
         <a:p>
           <a:pPr marL="114300" lvl="1" indent="-114300" algn="l" defTabSz="666750">
@@ -5417,13 +5375,13 @@
             </a:spcAft>
           </a:pPr>
           <a:r>
-            <a:rPr kumimoji="1" lang="ja-JP" altLang="en-US" sz="1900" kern="1200" smtClean="0">
+            <a:rPr kumimoji="1" lang="ja-JP" altLang="en-US" sz="1900" kern="1200" dirty="0" smtClean="0">
               <a:latin typeface="UD デジタル 教科書体 N-R" panose="02020400000000000000" pitchFamily="17" charset="-128"/>
               <a:ea typeface="UD デジタル 教科書体 N-R" panose="02020400000000000000" pitchFamily="17" charset="-128"/>
             </a:rPr>
             <a:t>余時澤</a:t>
           </a:r>
-          <a:endParaRPr kumimoji="1" lang="ja-JP" altLang="en-US" sz="1900" kern="1200">
+          <a:endParaRPr kumimoji="1" lang="ja-JP" altLang="en-US" sz="1900" kern="1200" dirty="0">
             <a:latin typeface="UD デジタル 教科書体 N-R" panose="02020400000000000000" pitchFamily="17" charset="-128"/>
             <a:ea typeface="UD デジタル 教科書体 N-R" panose="02020400000000000000" pitchFamily="17" charset="-128"/>
           </a:endParaRPr>
@@ -5442,13 +5400,13 @@
             <a:buChar char="••"/>
           </a:pPr>
           <a:r>
-            <a:rPr kumimoji="1" lang="ja-JP" altLang="en-US" sz="1500" kern="1200" smtClean="0">
+            <a:rPr kumimoji="1" lang="ja-JP" altLang="en-US" sz="1500" kern="1200" dirty="0" smtClean="0">
               <a:latin typeface="UD デジタル 教科書体 NP-B" panose="02020700000000000000" pitchFamily="18" charset="-128"/>
               <a:ea typeface="UD デジタル 教科書体 NP-B" panose="02020700000000000000" pitchFamily="18" charset="-128"/>
             </a:rPr>
             <a:t>今回のチーム制作を通じて、多くの経験を学びました。チャレンジが成功しても失敗しても、その結果を持ってもう一度行くぞ。</a:t>
           </a:r>
-          <a:endParaRPr kumimoji="1" lang="ja-JP" altLang="en-US" sz="1500" kern="1200"/>
+          <a:endParaRPr kumimoji="1" lang="ja-JP" altLang="en-US" sz="1500" kern="1200" dirty="0"/>
         </a:p>
       </dsp:txBody>
       <dsp:txXfrm>
@@ -6278,14 +6236,7 @@
               <a:latin typeface="HGS創英角ﾎﾟｯﾌﾟ体" panose="040B0A00000000000000" pitchFamily="50" charset="-128"/>
               <a:ea typeface="HGS創英角ﾎﾟｯﾌﾟ体" panose="040B0A00000000000000" pitchFamily="50" charset="-128"/>
             </a:rPr>
-            <a:t>余</a:t>
-          </a:r>
-          <a:r>
-            <a:rPr kumimoji="1" lang="ja-JP" altLang="en-US" sz="2700" kern="1200" smtClean="0">
-              <a:latin typeface="HGS創英角ﾎﾟｯﾌﾟ体" panose="040B0A00000000000000" pitchFamily="50" charset="-128"/>
-              <a:ea typeface="HGS創英角ﾎﾟｯﾌﾟ体" panose="040B0A00000000000000" pitchFamily="50" charset="-128"/>
-            </a:rPr>
-            <a:t>時澤</a:t>
+            <a:t>余時澤</a:t>
           </a:r>
           <a:endParaRPr kumimoji="1" lang="ja-JP" altLang="en-US" sz="2700" kern="1200">
             <a:latin typeface="HGS創英角ﾎﾟｯﾌﾟ体" panose="040B0A00000000000000" pitchFamily="50" charset="-128"/>
@@ -10629,7 +10580,7 @@
           <a:p>
             <a:fld id="{255BE17B-D695-42B8-85AA-F11D36EF5035}" type="datetimeFigureOut">
               <a:rPr kumimoji="1" lang="ja-JP" altLang="en-US" smtClean="0"/>
-              <a:t>2022/1/25</a:t>
+              <a:t>2022/1/26</a:t>
             </a:fld>
             <a:endParaRPr kumimoji="1" lang="ja-JP" altLang="en-US"/>
           </a:p>
@@ -10831,7 +10782,7 @@
           <a:p>
             <a:fld id="{255BE17B-D695-42B8-85AA-F11D36EF5035}" type="datetimeFigureOut">
               <a:rPr kumimoji="1" lang="ja-JP" altLang="en-US" smtClean="0"/>
-              <a:t>2022/1/25</a:t>
+              <a:t>2022/1/26</a:t>
             </a:fld>
             <a:endParaRPr kumimoji="1" lang="ja-JP" altLang="en-US"/>
           </a:p>
@@ -11043,7 +10994,7 @@
           <a:p>
             <a:fld id="{255BE17B-D695-42B8-85AA-F11D36EF5035}" type="datetimeFigureOut">
               <a:rPr kumimoji="1" lang="ja-JP" altLang="en-US" smtClean="0"/>
-              <a:t>2022/1/25</a:t>
+              <a:t>2022/1/26</a:t>
             </a:fld>
             <a:endParaRPr kumimoji="1" lang="ja-JP" altLang="en-US"/>
           </a:p>
@@ -11245,7 +11196,7 @@
           <a:p>
             <a:fld id="{255BE17B-D695-42B8-85AA-F11D36EF5035}" type="datetimeFigureOut">
               <a:rPr kumimoji="1" lang="ja-JP" altLang="en-US" smtClean="0"/>
-              <a:t>2022/1/25</a:t>
+              <a:t>2022/1/26</a:t>
             </a:fld>
             <a:endParaRPr kumimoji="1" lang="ja-JP" altLang="en-US"/>
           </a:p>
@@ -11489,7 +11440,7 @@
           <a:p>
             <a:fld id="{255BE17B-D695-42B8-85AA-F11D36EF5035}" type="datetimeFigureOut">
               <a:rPr kumimoji="1" lang="ja-JP" altLang="en-US" smtClean="0"/>
-              <a:t>2022/1/25</a:t>
+              <a:t>2022/1/26</a:t>
             </a:fld>
             <a:endParaRPr kumimoji="1" lang="ja-JP" altLang="en-US"/>
           </a:p>
@@ -11785,7 +11736,7 @@
           <a:p>
             <a:fld id="{255BE17B-D695-42B8-85AA-F11D36EF5035}" type="datetimeFigureOut">
               <a:rPr kumimoji="1" lang="ja-JP" altLang="en-US" smtClean="0"/>
-              <a:t>2022/1/25</a:t>
+              <a:t>2022/1/26</a:t>
             </a:fld>
             <a:endParaRPr kumimoji="1" lang="ja-JP" altLang="en-US"/>
           </a:p>
@@ -12216,7 +12167,7 @@
           <a:p>
             <a:fld id="{255BE17B-D695-42B8-85AA-F11D36EF5035}" type="datetimeFigureOut">
               <a:rPr kumimoji="1" lang="ja-JP" altLang="en-US" smtClean="0"/>
-              <a:t>2022/1/25</a:t>
+              <a:t>2022/1/26</a:t>
             </a:fld>
             <a:endParaRPr kumimoji="1" lang="ja-JP" altLang="en-US"/>
           </a:p>
@@ -12334,7 +12285,7 @@
           <a:p>
             <a:fld id="{255BE17B-D695-42B8-85AA-F11D36EF5035}" type="datetimeFigureOut">
               <a:rPr kumimoji="1" lang="ja-JP" altLang="en-US" smtClean="0"/>
-              <a:t>2022/1/25</a:t>
+              <a:t>2022/1/26</a:t>
             </a:fld>
             <a:endParaRPr kumimoji="1" lang="ja-JP" altLang="en-US"/>
           </a:p>
@@ -12429,7 +12380,7 @@
           <a:p>
             <a:fld id="{255BE17B-D695-42B8-85AA-F11D36EF5035}" type="datetimeFigureOut">
               <a:rPr kumimoji="1" lang="ja-JP" altLang="en-US" smtClean="0"/>
-              <a:t>2022/1/25</a:t>
+              <a:t>2022/1/26</a:t>
             </a:fld>
             <a:endParaRPr kumimoji="1" lang="ja-JP" altLang="en-US"/>
           </a:p>
@@ -12738,7 +12689,7 @@
           <a:p>
             <a:fld id="{255BE17B-D695-42B8-85AA-F11D36EF5035}" type="datetimeFigureOut">
               <a:rPr kumimoji="1" lang="ja-JP" altLang="en-US" smtClean="0"/>
-              <a:t>2022/1/25</a:t>
+              <a:t>2022/1/26</a:t>
             </a:fld>
             <a:endParaRPr kumimoji="1" lang="ja-JP" altLang="en-US"/>
           </a:p>
@@ -12995,7 +12946,7 @@
           <a:p>
             <a:fld id="{255BE17B-D695-42B8-85AA-F11D36EF5035}" type="datetimeFigureOut">
               <a:rPr kumimoji="1" lang="ja-JP" altLang="en-US" smtClean="0"/>
-              <a:t>2022/1/25</a:t>
+              <a:t>2022/1/26</a:t>
             </a:fld>
             <a:endParaRPr kumimoji="1" lang="ja-JP" altLang="en-US"/>
           </a:p>
@@ -13240,7 +13191,7 @@
           <a:p>
             <a:fld id="{255BE17B-D695-42B8-85AA-F11D36EF5035}" type="datetimeFigureOut">
               <a:rPr kumimoji="1" lang="ja-JP" altLang="en-US" smtClean="0"/>
-              <a:t>2022/1/25</a:t>
+              <a:t>2022/1/26</a:t>
             </a:fld>
             <a:endParaRPr kumimoji="1" lang="ja-JP" altLang="en-US"/>
           </a:p>
@@ -13726,7 +13677,7 @@
           <p:nvPr>
             <p:extLst>
               <p:ext uri="{D42A27DB-BD31-4B8C-83A1-F6EECF244321}">
-                <p14:modId xmlns:p14="http://schemas.microsoft.com/office/powerpoint/2010/main" val="210609652"/>
+                <p14:modId xmlns:p14="http://schemas.microsoft.com/office/powerpoint/2010/main" val="1274370080"/>
               </p:ext>
             </p:extLst>
           </p:nvPr>
